--- a/psu_ee/online_interview/online_interview_notes.pptx
+++ b/psu_ee/online_interview/online_interview_notes.pptx
@@ -3764,7 +3764,9 @@
         </p:nvSpPr>
         <p:spPr/>
         <p:txBody>
-          <a:bodyPr/>
+          <a:bodyPr>
+            <a:normAutofit fontScale="55000" lnSpcReduction="20000"/>
+          </a:bodyPr>
           <a:lstStyle/>
           <a:p>
             <a:r>
@@ -3785,7 +3787,40 @@
             </a:r>
           </a:p>
           <a:p>
-            <a:endParaRPr lang="en-US" dirty="0"/>
+            <a:r>
+              <a:rPr lang="en-US" dirty="0"/>
+              <a:t>Considering a lot of AI/ML applications can benefit from multicasting, e.g., matrix vector multiplication, I’d like to explore an efficient way to do multicasting in the optical domain.</a:t>
+            </a:r>
+          </a:p>
+          <a:p>
+            <a:r>
+              <a:rPr lang="en-US" dirty="0"/>
+              <a:t>Here is an example leveraging nonlinear effects… Different from…Dedicated multicast channels in parallel with regular DWDM.</a:t>
+            </a:r>
+          </a:p>
+          <a:p>
+            <a:r>
+              <a:rPr lang="en-US" dirty="0"/>
+              <a:t>Also make the note that this is not the final form. One of the research topics could be to find the most reasonable/efficient implementation of such functionality. Expertise from device physics/nonlinear photonics</a:t>
+            </a:r>
+          </a:p>
+          <a:p>
+            <a:r>
+              <a:rPr lang="en-US" dirty="0"/>
+              <a:t>On the switching fabric part, I’d like to explore a simplified, bi-modal reconfiguration type of architecture. Let’s suppose one side of the switch are computing units and the other side are memory modules. I’d explore an implementation that, instead of achieving a fully reconfigurable any input to any output switching, only accommodate two typical cases…dense:…sparse:…</a:t>
+            </a:r>
+          </a:p>
+          <a:p>
+            <a:r>
+              <a:rPr lang="en-US" dirty="0"/>
+              <a:t>Simplified control logic, EIC implementation, reduced energy. How effective with only two modes? Need more design space exploration, with potential collaboration with experts in computer architecture/HW SW co-design</a:t>
+            </a:r>
+          </a:p>
+          <a:p>
+            <a:r>
+              <a:rPr lang="en-US" dirty="0"/>
+              <a:t>Another idea that I have already started exploring that could be an add-on to this direction is to leverage the multi-FSR property of the resonators to drop multiple channels to achieve an n-fold bandwidth per switching element. This requires…</a:t>
+            </a:r>
           </a:p>
         </p:txBody>
       </p:sp>
@@ -3913,11 +3948,86 @@
         <p:spPr/>
         <p:txBody>
           <a:bodyPr>
-            <a:normAutofit/>
+            <a:normAutofit fontScale="70000" lnSpcReduction="20000"/>
           </a:bodyPr>
           <a:lstStyle/>
           <a:p>
-            <a:endParaRPr lang="en-US" dirty="0"/>
+            <a:r>
+              <a:rPr lang="en-US" dirty="0"/>
+              <a:t>That was on further pushing the reconfigurability frontier from an application-driven perspective.</a:t>
+            </a:r>
+          </a:p>
+          <a:p>
+            <a:r>
+              <a:rPr lang="en-US" dirty="0"/>
+              <a:t>The second research direction that I’m proposing here is on further pushing the bandwidth capacity and density frontier by having optical waveguides going into the 3</a:t>
+            </a:r>
+            <a:r>
+              <a:rPr lang="en-US" baseline="30000" dirty="0"/>
+              <a:t>rd</a:t>
+            </a:r>
+            <a:r>
+              <a:rPr lang="en-US" dirty="0"/>
+              <a:t> dimension.</a:t>
+            </a:r>
+          </a:p>
+          <a:p>
+            <a:r>
+              <a:rPr lang="en-US" dirty="0"/>
+              <a:t>A direction that could facilitate more collaboration with device/material experts.</a:t>
+            </a:r>
+          </a:p>
+          <a:p>
+            <a:r>
+              <a:rPr lang="en-US" dirty="0"/>
+              <a:t>GPU-HBM configuration saturating. At most 8 chips interconnected electronically.</a:t>
+            </a:r>
+          </a:p>
+          <a:p>
+            <a:r>
+              <a:rPr lang="en-US" dirty="0"/>
+              <a:t>2D limited by fiber pitch, for photonic </a:t>
+            </a:r>
+            <a:r>
+              <a:rPr lang="en-US" dirty="0" err="1"/>
+              <a:t>wirebonding</a:t>
+            </a:r>
+            <a:r>
+              <a:rPr lang="en-US" dirty="0"/>
+              <a:t>, pitch of the printed nanowires. Fundamentally limited by waveguide pitch on chip.</a:t>
+            </a:r>
+          </a:p>
+          <a:p>
+            <a:r>
+              <a:rPr lang="en-US" dirty="0"/>
+              <a:t>To explore the 3</a:t>
+            </a:r>
+            <a:r>
+              <a:rPr lang="en-US" baseline="30000" dirty="0"/>
+              <a:t>rd</a:t>
+            </a:r>
+            <a:r>
+              <a:rPr lang="en-US" dirty="0"/>
+              <a:t> dimension, the key is to explore a compact low loss vertical coupling mechanism.</a:t>
+            </a:r>
+          </a:p>
+          <a:p>
+            <a:r>
+              <a:rPr lang="en-US" dirty="0"/>
+              <a:t>Here I’m just showing a toy simulation using Si Nitride adiabatic couplers. Optimizations/new device/materials need to be explored.</a:t>
+            </a:r>
+          </a:p>
+          <a:p>
+            <a:r>
+              <a:rPr lang="en-US" dirty="0"/>
+              <a:t>Some not-too-aggressive assumptions on pitch and BW density</a:t>
+            </a:r>
+          </a:p>
+          <a:p>
+            <a:r>
+              <a:rPr lang="en-US" dirty="0"/>
+              <a:t>Potential impact…</a:t>
+            </a:r>
           </a:p>
         </p:txBody>
       </p:sp>

--- a/psu_ee/online_interview/online_interview_notes.pptx
+++ b/psu_ee/online_interview/online_interview_notes.pptx
@@ -4159,6 +4159,40 @@
           </a:bodyPr>
           <a:lstStyle/>
           <a:p>
+            <a:r>
+              <a:rPr lang="en-US" dirty="0"/>
+              <a:t>Large antenna arrays</a:t>
+            </a:r>
+          </a:p>
+          <a:p>
+            <a:r>
+              <a:rPr lang="en-US" dirty="0"/>
+              <a:t>Signal processing backend</a:t>
+            </a:r>
+          </a:p>
+          <a:p>
+            <a:pPr lvl="1"/>
+            <a:r>
+              <a:rPr lang="en-US" dirty="0"/>
+              <a:t>Huge computation</a:t>
+            </a:r>
+          </a:p>
+          <a:p>
+            <a:pPr lvl="1"/>
+            <a:r>
+              <a:rPr lang="en-US" dirty="0"/>
+              <a:t>Pin limit</a:t>
+            </a:r>
+          </a:p>
+          <a:p>
+            <a:pPr lvl="1"/>
+            <a:r>
+              <a:rPr lang="en-US" dirty="0"/>
+              <a:t>Interconnect bottleneck</a:t>
+            </a:r>
+          </a:p>
+          <a:p>
+            <a:pPr lvl="1"/>
             <a:endParaRPr lang="en-US" dirty="0"/>
           </a:p>
         </p:txBody>
@@ -6534,7 +6568,16 @@
           <a:bodyPr/>
           <a:lstStyle/>
           <a:p>
-            <a:endParaRPr lang="en-US"/>
+            <a:r>
+              <a:rPr lang="en-US" dirty="0"/>
+              <a:t>Always consider it good to have collaborators</a:t>
+            </a:r>
+          </a:p>
+          <a:p>
+            <a:r>
+              <a:rPr lang="en-US" dirty="0"/>
+              <a:t>Would find collaborators really helpful from device/materials, electronic IC, packaging and integration</a:t>
+            </a:r>
           </a:p>
         </p:txBody>
       </p:sp>
@@ -6617,7 +6660,27 @@
           <a:bodyPr/>
           <a:lstStyle/>
           <a:p>
-            <a:endParaRPr lang="en-US"/>
+            <a:r>
+              <a:rPr lang="en-US" dirty="0"/>
+              <a:t>Long term: equipment for measurement, hardware validation;</a:t>
+            </a:r>
+          </a:p>
+          <a:p>
+            <a:r>
+              <a:rPr lang="en-US" dirty="0"/>
+              <a:t>Short term: compute-based research topics, </a:t>
+            </a:r>
+            <a:r>
+              <a:rPr lang="en-US" dirty="0" err="1"/>
+              <a:t>tapeout</a:t>
+            </a:r>
+            <a:endParaRPr lang="en-US" dirty="0"/>
+          </a:p>
+          <a:p>
+            <a:r>
+              <a:rPr lang="en-US" dirty="0"/>
+              <a:t>Co-supervision?</a:t>
+            </a:r>
           </a:p>
         </p:txBody>
       </p:sp>
@@ -6700,7 +6763,10 @@
           <a:bodyPr/>
           <a:lstStyle/>
           <a:p>
-            <a:endParaRPr lang="en-US"/>
+            <a:r>
+              <a:rPr lang="en-US" dirty="0"/>
+              <a:t>Connectivity with greater bandwidth and reconfigurability</a:t>
+            </a:r>
           </a:p>
         </p:txBody>
       </p:sp>
